--- a/タスク管理アプリ.pptx
+++ b/タスク管理アプリ.pptx
@@ -109,6 +109,11 @@
       </a:defRPr>
     </a:lvl9pPr>
   </p:defaultTextStyle>
+  <p:extLst>
+    <p:ext uri="{EFAFB233-063F-42B5-8137-9DF3F51BA10A}">
+      <p15:sldGuideLst xmlns:p15="http://schemas.microsoft.com/office/powerpoint/2012/main"/>
+    </p:ext>
+  </p:extLst>
 </p:presentation>
 </file>
 
@@ -259,7 +264,7 @@
           <a:p>
             <a:fld id="{B1029A0F-48E4-4CC6-A204-407D1C0BD48A}" type="datetimeFigureOut">
               <a:rPr kumimoji="1" lang="ja-JP" altLang="en-US" smtClean="0"/>
-              <a:t>2021/4/15</a:t>
+              <a:t>2021/4/16</a:t>
             </a:fld>
             <a:endParaRPr kumimoji="1" lang="ja-JP" altLang="en-US"/>
           </a:p>
@@ -489,7 +494,7 @@
           <a:p>
             <a:fld id="{B1029A0F-48E4-4CC6-A204-407D1C0BD48A}" type="datetimeFigureOut">
               <a:rPr kumimoji="1" lang="ja-JP" altLang="en-US" smtClean="0"/>
-              <a:t>2021/4/15</a:t>
+              <a:t>2021/4/16</a:t>
             </a:fld>
             <a:endParaRPr kumimoji="1" lang="ja-JP" altLang="en-US"/>
           </a:p>
@@ -729,7 +734,7 @@
           <a:p>
             <a:fld id="{B1029A0F-48E4-4CC6-A204-407D1C0BD48A}" type="datetimeFigureOut">
               <a:rPr kumimoji="1" lang="ja-JP" altLang="en-US" smtClean="0"/>
-              <a:t>2021/4/15</a:t>
+              <a:t>2021/4/16</a:t>
             </a:fld>
             <a:endParaRPr kumimoji="1" lang="ja-JP" altLang="en-US"/>
           </a:p>
@@ -959,7 +964,7 @@
           <a:p>
             <a:fld id="{B1029A0F-48E4-4CC6-A204-407D1C0BD48A}" type="datetimeFigureOut">
               <a:rPr kumimoji="1" lang="ja-JP" altLang="en-US" smtClean="0"/>
-              <a:t>2021/4/15</a:t>
+              <a:t>2021/4/16</a:t>
             </a:fld>
             <a:endParaRPr kumimoji="1" lang="ja-JP" altLang="en-US"/>
           </a:p>
@@ -1234,7 +1239,7 @@
           <a:p>
             <a:fld id="{B1029A0F-48E4-4CC6-A204-407D1C0BD48A}" type="datetimeFigureOut">
               <a:rPr kumimoji="1" lang="ja-JP" altLang="en-US" smtClean="0"/>
-              <a:t>2021/4/15</a:t>
+              <a:t>2021/4/16</a:t>
             </a:fld>
             <a:endParaRPr kumimoji="1" lang="ja-JP" altLang="en-US"/>
           </a:p>
@@ -1563,7 +1568,7 @@
           <a:p>
             <a:fld id="{B1029A0F-48E4-4CC6-A204-407D1C0BD48A}" type="datetimeFigureOut">
               <a:rPr kumimoji="1" lang="ja-JP" altLang="en-US" smtClean="0"/>
-              <a:t>2021/4/15</a:t>
+              <a:t>2021/4/16</a:t>
             </a:fld>
             <a:endParaRPr kumimoji="1" lang="ja-JP" altLang="en-US"/>
           </a:p>
@@ -2039,7 +2044,7 @@
           <a:p>
             <a:fld id="{B1029A0F-48E4-4CC6-A204-407D1C0BD48A}" type="datetimeFigureOut">
               <a:rPr kumimoji="1" lang="ja-JP" altLang="en-US" smtClean="0"/>
-              <a:t>2021/4/15</a:t>
+              <a:t>2021/4/16</a:t>
             </a:fld>
             <a:endParaRPr kumimoji="1" lang="ja-JP" altLang="en-US"/>
           </a:p>
@@ -2180,7 +2185,7 @@
           <a:p>
             <a:fld id="{B1029A0F-48E4-4CC6-A204-407D1C0BD48A}" type="datetimeFigureOut">
               <a:rPr kumimoji="1" lang="ja-JP" altLang="en-US" smtClean="0"/>
-              <a:t>2021/4/15</a:t>
+              <a:t>2021/4/16</a:t>
             </a:fld>
             <a:endParaRPr kumimoji="1" lang="ja-JP" altLang="en-US"/>
           </a:p>
@@ -2293,7 +2298,7 @@
           <a:p>
             <a:fld id="{B1029A0F-48E4-4CC6-A204-407D1C0BD48A}" type="datetimeFigureOut">
               <a:rPr kumimoji="1" lang="ja-JP" altLang="en-US" smtClean="0"/>
-              <a:t>2021/4/15</a:t>
+              <a:t>2021/4/16</a:t>
             </a:fld>
             <a:endParaRPr kumimoji="1" lang="ja-JP" altLang="en-US"/>
           </a:p>
@@ -2636,7 +2641,7 @@
           <a:p>
             <a:fld id="{B1029A0F-48E4-4CC6-A204-407D1C0BD48A}" type="datetimeFigureOut">
               <a:rPr kumimoji="1" lang="ja-JP" altLang="en-US" smtClean="0"/>
-              <a:t>2021/4/15</a:t>
+              <a:t>2021/4/16</a:t>
             </a:fld>
             <a:endParaRPr kumimoji="1" lang="ja-JP" altLang="en-US"/>
           </a:p>
@@ -2924,7 +2929,7 @@
           <a:p>
             <a:fld id="{B1029A0F-48E4-4CC6-A204-407D1C0BD48A}" type="datetimeFigureOut">
               <a:rPr kumimoji="1" lang="ja-JP" altLang="en-US" smtClean="0"/>
-              <a:t>2021/4/15</a:t>
+              <a:t>2021/4/16</a:t>
             </a:fld>
             <a:endParaRPr kumimoji="1" lang="ja-JP" altLang="en-US"/>
           </a:p>
@@ -3197,7 +3202,7 @@
           <a:p>
             <a:fld id="{B1029A0F-48E4-4CC6-A204-407D1C0BD48A}" type="datetimeFigureOut">
               <a:rPr kumimoji="1" lang="ja-JP" altLang="en-US" smtClean="0"/>
-              <a:t>2021/4/15</a:t>
+              <a:t>2021/4/16</a:t>
             </a:fld>
             <a:endParaRPr kumimoji="1" lang="ja-JP" altLang="en-US"/>
           </a:p>
@@ -5562,14 +5567,14 @@
           <p:nvPr>
             <p:extLst>
               <p:ext uri="{D42A27DB-BD31-4B8C-83A1-F6EECF244321}">
-                <p14:modId xmlns:p14="http://schemas.microsoft.com/office/powerpoint/2010/main" val="1429394469"/>
+                <p14:modId xmlns:p14="http://schemas.microsoft.com/office/powerpoint/2010/main" val="3233027596"/>
               </p:ext>
             </p:extLst>
           </p:nvPr>
         </p:nvGraphicFramePr>
         <p:xfrm>
           <a:off x="1021347" y="1393434"/>
-          <a:ext cx="9864826" cy="3017520"/>
+          <a:ext cx="9864826" cy="3566160"/>
         </p:xfrm>
         <a:graphic>
           <a:graphicData uri="http://schemas.openxmlformats.org/drawingml/2006/table">
@@ -5768,6 +5773,17 @@
                         <a:rPr kumimoji="1" lang="ja-JP" altLang="en-US" dirty="0"/>
                         <a:t>カテゴリー</a:t>
                       </a:r>
+                      <a:endParaRPr kumimoji="1" lang="en-US" altLang="ja-JP" dirty="0"/>
+                    </a:p>
+                    <a:p>
+                      <a:pPr marL="285750" indent="-285750">
+                        <a:buFont typeface="Arial" panose="020B0604020202020204" pitchFamily="34" charset="0"/>
+                        <a:buChar char="•"/>
+                      </a:pPr>
+                      <a:r>
+                        <a:rPr kumimoji="1" lang="ja-JP" altLang="en-US" dirty="0"/>
+                        <a:t>削除</a:t>
+                      </a:r>
                     </a:p>
                   </a:txBody>
                   <a:tcPr/>
@@ -5866,6 +5882,17 @@
                       <a:r>
                         <a:rPr kumimoji="1" lang="ja-JP" altLang="en-US" dirty="0"/>
                         <a:t>カテゴリーの変更</a:t>
+                      </a:r>
+                      <a:endParaRPr kumimoji="1" lang="en-US" altLang="ja-JP" dirty="0"/>
+                    </a:p>
+                    <a:p>
+                      <a:pPr marL="285750" indent="-285750">
+                        <a:buFont typeface="Arial" panose="020B0604020202020204" pitchFamily="34" charset="0"/>
+                        <a:buChar char="•"/>
+                      </a:pPr>
+                      <a:r>
+                        <a:rPr kumimoji="1" lang="ja-JP" altLang="en-US" dirty="0"/>
+                        <a:t>削除</a:t>
                       </a:r>
                     </a:p>
                   </a:txBody>
